--- a/01_doc/00_design/concept_20150905.pptx
+++ b/01_doc/00_design/concept_20150905.pptx
@@ -9,10 +9,11 @@
     <p:sldId id="257" r:id="rId3"/>
     <p:sldId id="258" r:id="rId4"/>
     <p:sldId id="262" r:id="rId5"/>
-    <p:sldId id="259" r:id="rId6"/>
-    <p:sldId id="261" r:id="rId7"/>
-    <p:sldId id="260" r:id="rId8"/>
-    <p:sldId id="263" r:id="rId9"/>
+    <p:sldId id="264" r:id="rId6"/>
+    <p:sldId id="259" r:id="rId7"/>
+    <p:sldId id="261" r:id="rId8"/>
+    <p:sldId id="260" r:id="rId9"/>
+    <p:sldId id="263" r:id="rId10"/>
   </p:sldIdLst>
   <p:sldSz cx="12192000" cy="6858000"/>
   <p:notesSz cx="6858000" cy="9144000"/>
@@ -111,6 +112,11 @@
       </a:defRPr>
     </a:lvl9pPr>
   </p:defaultTextStyle>
+  <p:extLst>
+    <p:ext uri="{EFAFB233-063F-42B5-8137-9DF3F51BA10A}">
+      <p15:sldGuideLst xmlns:p15="http://schemas.microsoft.com/office/powerpoint/2012/main"/>
+    </p:ext>
+  </p:extLst>
 </p:presentation>
 </file>
 
@@ -4567,6 +4573,109 @@
           <a:bodyPr/>
           <a:lstStyle/>
           <a:p>
+            <a:endParaRPr kumimoji="1" lang="ja-JP" altLang="en-US"/>
+          </a:p>
+        </p:txBody>
+      </p:sp>
+      <p:sp>
+        <p:nvSpPr>
+          <p:cNvPr id="3" name="コンテンツ プレースホルダー 2"/>
+          <p:cNvSpPr>
+            <a:spLocks noGrp="1"/>
+          </p:cNvSpPr>
+          <p:nvPr>
+            <p:ph idx="1"/>
+          </p:nvPr>
+        </p:nvSpPr>
+        <p:spPr/>
+        <p:txBody>
+          <a:bodyPr/>
+          <a:lstStyle/>
+          <a:p>
+            <a:r>
+              <a:rPr kumimoji="1" lang="ja-JP" altLang="en-US" dirty="0" smtClean="0"/>
+              <a:t>将来的には管理画面を作成する</a:t>
+            </a:r>
+            <a:endParaRPr kumimoji="1" lang="en-US" altLang="ja-JP" dirty="0" smtClean="0"/>
+          </a:p>
+          <a:p>
+            <a:r>
+              <a:rPr lang="en-US" altLang="ja-JP" dirty="0"/>
+              <a:t>10</a:t>
+            </a:r>
+            <a:r>
+              <a:rPr lang="ja-JP" altLang="en-US" dirty="0" smtClean="0"/>
+              <a:t>問</a:t>
+            </a:r>
+            <a:r>
+              <a:rPr lang="ja-JP" altLang="en-US" dirty="0"/>
+              <a:t>出</a:t>
+            </a:r>
+            <a:r>
+              <a:rPr lang="ja-JP" altLang="en-US" dirty="0" smtClean="0"/>
+              <a:t>したら</a:t>
+            </a:r>
+            <a:r>
+              <a:rPr lang="en-US" altLang="ja-JP" dirty="0" smtClean="0"/>
+              <a:t>10</a:t>
+            </a:r>
+            <a:r>
+              <a:rPr lang="ja-JP" altLang="en-US" dirty="0" smtClean="0"/>
+              <a:t>問合計</a:t>
+            </a:r>
+            <a:r>
+              <a:rPr lang="ja-JP" altLang="en-US" smtClean="0"/>
+              <a:t>のチャンピオンを出す</a:t>
+            </a:r>
+            <a:endParaRPr kumimoji="1" lang="ja-JP" altLang="en-US" dirty="0"/>
+          </a:p>
+        </p:txBody>
+      </p:sp>
+    </p:spTree>
+    <p:extLst>
+      <p:ext uri="{BB962C8B-B14F-4D97-AF65-F5344CB8AC3E}">
+        <p14:creationId xmlns:p14="http://schemas.microsoft.com/office/powerpoint/2010/main" val="2243981680"/>
+      </p:ext>
+    </p:extLst>
+  </p:cSld>
+  <p:clrMapOvr>
+    <a:masterClrMapping/>
+  </p:clrMapOvr>
+</p:sld>
+</file>
+
+<file path=ppt/slides/slide6.xml><?xml version="1.0" encoding="utf-8"?>
+<p:sld xmlns:a="http://schemas.openxmlformats.org/drawingml/2006/main" xmlns:r="http://schemas.openxmlformats.org/officeDocument/2006/relationships" xmlns:p="http://schemas.openxmlformats.org/presentationml/2006/main">
+  <p:cSld>
+    <p:spTree>
+      <p:nvGrpSpPr>
+        <p:cNvPr id="1" name=""/>
+        <p:cNvGrpSpPr/>
+        <p:nvPr/>
+      </p:nvGrpSpPr>
+      <p:grpSpPr>
+        <a:xfrm>
+          <a:off x="0" y="0"/>
+          <a:ext cx="0" cy="0"/>
+          <a:chOff x="0" y="0"/>
+          <a:chExt cx="0" cy="0"/>
+        </a:xfrm>
+      </p:grpSpPr>
+      <p:sp>
+        <p:nvSpPr>
+          <p:cNvPr id="2" name="タイトル 1"/>
+          <p:cNvSpPr>
+            <a:spLocks noGrp="1"/>
+          </p:cNvSpPr>
+          <p:nvPr>
+            <p:ph type="title"/>
+          </p:nvPr>
+        </p:nvSpPr>
+        <p:spPr/>
+        <p:txBody>
+          <a:bodyPr/>
+          <a:lstStyle/>
+          <a:p>
             <a:r>
               <a:rPr kumimoji="1" lang="ja-JP" altLang="en-US" dirty="0" smtClean="0"/>
               <a:t>画面イメージ　</a:t>
@@ -4625,7 +4734,7 @@
 </p:sld>
 </file>
 
-<file path=ppt/slides/slide6.xml><?xml version="1.0" encoding="utf-8"?>
+<file path=ppt/slides/slide7.xml><?xml version="1.0" encoding="utf-8"?>
 <p:sld xmlns:a="http://schemas.openxmlformats.org/drawingml/2006/main" xmlns:r="http://schemas.openxmlformats.org/officeDocument/2006/relationships" xmlns:p="http://schemas.openxmlformats.org/presentationml/2006/main">
   <p:cSld>
     <p:spTree>
@@ -4715,7 +4824,7 @@
 </p:sld>
 </file>
 
-<file path=ppt/slides/slide7.xml><?xml version="1.0" encoding="utf-8"?>
+<file path=ppt/slides/slide8.xml><?xml version="1.0" encoding="utf-8"?>
 <p:sld xmlns:a="http://schemas.openxmlformats.org/drawingml/2006/main" xmlns:r="http://schemas.openxmlformats.org/officeDocument/2006/relationships" xmlns:p="http://schemas.openxmlformats.org/presentationml/2006/main">
   <p:cSld>
     <p:spTree>
@@ -4797,7 +4906,7 @@
 </p:sld>
 </file>
 
-<file path=ppt/slides/slide8.xml><?xml version="1.0" encoding="utf-8"?>
+<file path=ppt/slides/slide9.xml><?xml version="1.0" encoding="utf-8"?>
 <p:sld xmlns:a="http://schemas.openxmlformats.org/drawingml/2006/main" xmlns:r="http://schemas.openxmlformats.org/officeDocument/2006/relationships" xmlns:p="http://schemas.openxmlformats.org/presentationml/2006/main">
   <p:cSld>
     <p:spTree>

--- a/01_doc/00_design/concept_20150905.pptx
+++ b/01_doc/00_design/concept_20150905.pptx
@@ -13,7 +13,9 @@
     <p:sldId id="259" r:id="rId7"/>
     <p:sldId id="261" r:id="rId8"/>
     <p:sldId id="260" r:id="rId9"/>
-    <p:sldId id="263" r:id="rId10"/>
+    <p:sldId id="266" r:id="rId10"/>
+    <p:sldId id="263" r:id="rId11"/>
+    <p:sldId id="265" r:id="rId12"/>
   </p:sldIdLst>
   <p:sldSz cx="12192000" cy="6858000"/>
   <p:notesSz cx="6858000" cy="9144000"/>
@@ -3316,6 +3318,408 @@
 </p:sld>
 </file>
 
+<file path=ppt/slides/slide10.xml><?xml version="1.0" encoding="utf-8"?>
+<p:sld xmlns:a="http://schemas.openxmlformats.org/drawingml/2006/main" xmlns:r="http://schemas.openxmlformats.org/officeDocument/2006/relationships" xmlns:p="http://schemas.openxmlformats.org/presentationml/2006/main">
+  <p:cSld>
+    <p:spTree>
+      <p:nvGrpSpPr>
+        <p:cNvPr id="1" name=""/>
+        <p:cNvGrpSpPr/>
+        <p:nvPr/>
+      </p:nvGrpSpPr>
+      <p:grpSpPr>
+        <a:xfrm>
+          <a:off x="0" y="0"/>
+          <a:ext cx="0" cy="0"/>
+          <a:chOff x="0" y="0"/>
+          <a:chExt cx="0" cy="0"/>
+        </a:xfrm>
+      </p:grpSpPr>
+      <p:sp>
+        <p:nvSpPr>
+          <p:cNvPr id="2" name="タイトル 1"/>
+          <p:cNvSpPr>
+            <a:spLocks noGrp="1"/>
+          </p:cNvSpPr>
+          <p:nvPr>
+            <p:ph type="title"/>
+          </p:nvPr>
+        </p:nvSpPr>
+        <p:spPr/>
+        <p:txBody>
+          <a:bodyPr/>
+          <a:lstStyle/>
+          <a:p>
+            <a:endParaRPr kumimoji="1" lang="ja-JP" altLang="en-US" dirty="0"/>
+          </a:p>
+        </p:txBody>
+      </p:sp>
+      <p:sp>
+        <p:nvSpPr>
+          <p:cNvPr id="3" name="コンテンツ プレースホルダー 2"/>
+          <p:cNvSpPr>
+            <a:spLocks noGrp="1"/>
+          </p:cNvSpPr>
+          <p:nvPr>
+            <p:ph idx="1"/>
+          </p:nvPr>
+        </p:nvSpPr>
+        <p:spPr/>
+        <p:txBody>
+          <a:bodyPr/>
+          <a:lstStyle/>
+          <a:p>
+            <a:pPr marL="0" indent="0">
+              <a:buNone/>
+            </a:pPr>
+            <a:r>
+              <a:rPr kumimoji="1" lang="ja-JP" altLang="en-US" dirty="0" smtClean="0"/>
+              <a:t>ユーザ</a:t>
+            </a:r>
+            <a:r>
+              <a:rPr kumimoji="1" lang="en-US" altLang="ja-JP" dirty="0" smtClean="0"/>
+              <a:t>ID</a:t>
+            </a:r>
+            <a:r>
+              <a:rPr kumimoji="1" lang="ja-JP" altLang="en-US" dirty="0" smtClean="0"/>
+              <a:t>いる？</a:t>
+            </a:r>
+            <a:endParaRPr kumimoji="1" lang="en-US" altLang="ja-JP" dirty="0" smtClean="0"/>
+          </a:p>
+          <a:p>
+            <a:pPr marL="0" indent="0">
+              <a:buNone/>
+            </a:pPr>
+            <a:r>
+              <a:rPr lang="ja-JP" altLang="en-US" dirty="0" smtClean="0"/>
+              <a:t>グループ</a:t>
+            </a:r>
+            <a:r>
+              <a:rPr lang="en-US" altLang="ja-JP" dirty="0" smtClean="0"/>
+              <a:t>ID</a:t>
+            </a:r>
+            <a:endParaRPr kumimoji="1" lang="ja-JP" altLang="en-US" dirty="0"/>
+          </a:p>
+        </p:txBody>
+      </p:sp>
+    </p:spTree>
+    <p:extLst>
+      <p:ext uri="{BB962C8B-B14F-4D97-AF65-F5344CB8AC3E}">
+        <p14:creationId xmlns:p14="http://schemas.microsoft.com/office/powerpoint/2010/main" val="3656784880"/>
+      </p:ext>
+    </p:extLst>
+  </p:cSld>
+  <p:clrMapOvr>
+    <a:masterClrMapping/>
+  </p:clrMapOvr>
+</p:sld>
+</file>
+
+<file path=ppt/slides/slide11.xml><?xml version="1.0" encoding="utf-8"?>
+<p:sld xmlns:a="http://schemas.openxmlformats.org/drawingml/2006/main" xmlns:r="http://schemas.openxmlformats.org/officeDocument/2006/relationships" xmlns:p="http://schemas.openxmlformats.org/presentationml/2006/main">
+  <p:cSld>
+    <p:spTree>
+      <p:nvGrpSpPr>
+        <p:cNvPr id="1" name=""/>
+        <p:cNvGrpSpPr/>
+        <p:nvPr/>
+      </p:nvGrpSpPr>
+      <p:grpSpPr>
+        <a:xfrm>
+          <a:off x="0" y="0"/>
+          <a:ext cx="0" cy="0"/>
+          <a:chOff x="0" y="0"/>
+          <a:chExt cx="0" cy="0"/>
+        </a:xfrm>
+      </p:grpSpPr>
+      <p:sp>
+        <p:nvSpPr>
+          <p:cNvPr id="2" name="タイトル 1"/>
+          <p:cNvSpPr>
+            <a:spLocks noGrp="1"/>
+          </p:cNvSpPr>
+          <p:nvPr>
+            <p:ph type="title"/>
+          </p:nvPr>
+        </p:nvSpPr>
+        <p:spPr/>
+        <p:txBody>
+          <a:bodyPr/>
+          <a:lstStyle/>
+          <a:p>
+            <a:r>
+              <a:rPr kumimoji="1" lang="ja-JP" altLang="en-US" dirty="0" smtClean="0"/>
+              <a:t>利用イメージ</a:t>
+            </a:r>
+            <a:endParaRPr kumimoji="1" lang="ja-JP" altLang="en-US" dirty="0"/>
+          </a:p>
+        </p:txBody>
+      </p:sp>
+      <p:cxnSp>
+        <p:nvCxnSpPr>
+          <p:cNvPr id="7" name="直線矢印コネクタ 6"/>
+          <p:cNvCxnSpPr/>
+          <p:nvPr/>
+        </p:nvCxnSpPr>
+        <p:spPr>
+          <a:xfrm flipV="1">
+            <a:off x="2310938" y="5378335"/>
+            <a:ext cx="6891251" cy="8312"/>
+          </a:xfrm>
+          <a:prstGeom prst="straightConnector1">
+            <a:avLst/>
+          </a:prstGeom>
+          <a:ln>
+            <a:tailEnd type="triangle"/>
+          </a:ln>
+        </p:spPr>
+        <p:style>
+          <a:lnRef idx="1">
+            <a:schemeClr val="accent1"/>
+          </a:lnRef>
+          <a:fillRef idx="0">
+            <a:schemeClr val="accent1"/>
+          </a:fillRef>
+          <a:effectRef idx="0">
+            <a:schemeClr val="accent1"/>
+          </a:effectRef>
+          <a:fontRef idx="minor">
+            <a:schemeClr val="tx1"/>
+          </a:fontRef>
+        </p:style>
+      </p:cxnSp>
+      <p:pic>
+        <p:nvPicPr>
+          <p:cNvPr id="11" name="図 10"/>
+          <p:cNvPicPr>
+            <a:picLocks noChangeAspect="1"/>
+          </p:cNvPicPr>
+          <p:nvPr/>
+        </p:nvPicPr>
+        <p:blipFill>
+          <a:blip r:embed="rId2" cstate="print">
+            <a:extLst>
+              <a:ext uri="{28A0092B-C50C-407E-A947-70E740481C1C}">
+                <a14:useLocalDpi xmlns:a14="http://schemas.microsoft.com/office/drawing/2010/main" val="0"/>
+              </a:ext>
+            </a:extLst>
+          </a:blip>
+          <a:stretch>
+            <a:fillRect/>
+          </a:stretch>
+        </p:blipFill>
+        <p:spPr>
+          <a:xfrm>
+            <a:off x="4018811" y="1864446"/>
+            <a:ext cx="2240673" cy="2201286"/>
+          </a:xfrm>
+          <a:prstGeom prst="rect">
+            <a:avLst/>
+          </a:prstGeom>
+        </p:spPr>
+      </p:pic>
+      <p:cxnSp>
+        <p:nvCxnSpPr>
+          <p:cNvPr id="13" name="直線矢印コネクタ 12"/>
+          <p:cNvCxnSpPr>
+            <a:stCxn id="11" idx="1"/>
+          </p:cNvCxnSpPr>
+          <p:nvPr/>
+        </p:nvCxnSpPr>
+        <p:spPr>
+          <a:xfrm flipH="1">
+            <a:off x="1974932" y="2965089"/>
+            <a:ext cx="2043879" cy="1199588"/>
+          </a:xfrm>
+          <a:prstGeom prst="straightConnector1">
+            <a:avLst/>
+          </a:prstGeom>
+          <a:ln>
+            <a:tailEnd type="triangle"/>
+          </a:ln>
+        </p:spPr>
+        <p:style>
+          <a:lnRef idx="1">
+            <a:schemeClr val="accent1"/>
+          </a:lnRef>
+          <a:fillRef idx="0">
+            <a:schemeClr val="accent1"/>
+          </a:fillRef>
+          <a:effectRef idx="0">
+            <a:schemeClr val="accent1"/>
+          </a:effectRef>
+          <a:fontRef idx="minor">
+            <a:schemeClr val="tx1"/>
+          </a:fontRef>
+        </p:style>
+      </p:cxnSp>
+      <p:pic>
+        <p:nvPicPr>
+          <p:cNvPr id="16" name="図 15"/>
+          <p:cNvPicPr>
+            <a:picLocks noChangeAspect="1"/>
+          </p:cNvPicPr>
+          <p:nvPr/>
+        </p:nvPicPr>
+        <p:blipFill>
+          <a:blip r:embed="rId3" cstate="print">
+            <a:extLst>
+              <a:ext uri="{28A0092B-C50C-407E-A947-70E740481C1C}">
+                <a14:useLocalDpi xmlns:a14="http://schemas.microsoft.com/office/drawing/2010/main" val="0"/>
+              </a:ext>
+            </a:extLst>
+          </a:blip>
+          <a:stretch>
+            <a:fillRect/>
+          </a:stretch>
+        </p:blipFill>
+        <p:spPr>
+          <a:xfrm>
+            <a:off x="9261209" y="4239912"/>
+            <a:ext cx="1171264" cy="1670438"/>
+          </a:xfrm>
+          <a:prstGeom prst="rect">
+            <a:avLst/>
+          </a:prstGeom>
+        </p:spPr>
+      </p:pic>
+      <p:cxnSp>
+        <p:nvCxnSpPr>
+          <p:cNvPr id="18" name="直線矢印コネクタ 17"/>
+          <p:cNvCxnSpPr>
+            <a:endCxn id="11" idx="3"/>
+          </p:cNvCxnSpPr>
+          <p:nvPr/>
+        </p:nvCxnSpPr>
+        <p:spPr>
+          <a:xfrm flipH="1" flipV="1">
+            <a:off x="6259484" y="2965089"/>
+            <a:ext cx="3233651" cy="1274401"/>
+          </a:xfrm>
+          <a:prstGeom prst="straightConnector1">
+            <a:avLst/>
+          </a:prstGeom>
+          <a:ln>
+            <a:tailEnd type="triangle"/>
+          </a:ln>
+        </p:spPr>
+        <p:style>
+          <a:lnRef idx="1">
+            <a:schemeClr val="accent1"/>
+          </a:lnRef>
+          <a:fillRef idx="0">
+            <a:schemeClr val="accent1"/>
+          </a:fillRef>
+          <a:effectRef idx="0">
+            <a:schemeClr val="accent1"/>
+          </a:effectRef>
+          <a:fontRef idx="minor">
+            <a:schemeClr val="tx1"/>
+          </a:fontRef>
+        </p:style>
+      </p:cxnSp>
+      <p:pic>
+        <p:nvPicPr>
+          <p:cNvPr id="21" name="図 20"/>
+          <p:cNvPicPr>
+            <a:picLocks noChangeAspect="1"/>
+          </p:cNvPicPr>
+          <p:nvPr/>
+        </p:nvPicPr>
+        <p:blipFill>
+          <a:blip r:embed="rId4" cstate="print">
+            <a:extLst>
+              <a:ext uri="{28A0092B-C50C-407E-A947-70E740481C1C}">
+                <a14:useLocalDpi xmlns:a14="http://schemas.microsoft.com/office/drawing/2010/main" val="0"/>
+              </a:ext>
+            </a:extLst>
+          </a:blip>
+          <a:stretch>
+            <a:fillRect/>
+          </a:stretch>
+        </p:blipFill>
+        <p:spPr>
+          <a:xfrm>
+            <a:off x="1257786" y="4048295"/>
+            <a:ext cx="493242" cy="1451379"/>
+          </a:xfrm>
+          <a:prstGeom prst="rect">
+            <a:avLst/>
+          </a:prstGeom>
+        </p:spPr>
+      </p:pic>
+      <p:pic>
+        <p:nvPicPr>
+          <p:cNvPr id="4" name="コンテンツ プレースホルダー 3"/>
+          <p:cNvPicPr>
+            <a:picLocks noGrp="1" noChangeAspect="1"/>
+          </p:cNvPicPr>
+          <p:nvPr>
+            <p:ph idx="1"/>
+          </p:nvPr>
+        </p:nvPicPr>
+        <p:blipFill>
+          <a:blip r:embed="rId5" cstate="print">
+            <a:extLst>
+              <a:ext uri="{28A0092B-C50C-407E-A947-70E740481C1C}">
+                <a14:useLocalDpi xmlns:a14="http://schemas.microsoft.com/office/drawing/2010/main" val="0"/>
+              </a:ext>
+            </a:extLst>
+          </a:blip>
+          <a:stretch>
+            <a:fillRect/>
+          </a:stretch>
+        </p:blipFill>
+        <p:spPr>
+          <a:xfrm>
+            <a:off x="960043" y="5262916"/>
+            <a:ext cx="503446" cy="849817"/>
+          </a:xfrm>
+        </p:spPr>
+      </p:pic>
+      <p:pic>
+        <p:nvPicPr>
+          <p:cNvPr id="5" name="図 4"/>
+          <p:cNvPicPr>
+            <a:picLocks noChangeAspect="1"/>
+          </p:cNvPicPr>
+          <p:nvPr/>
+        </p:nvPicPr>
+        <p:blipFill>
+          <a:blip r:embed="rId6" cstate="print">
+            <a:extLst>
+              <a:ext uri="{28A0092B-C50C-407E-A947-70E740481C1C}">
+                <a14:useLocalDpi xmlns:a14="http://schemas.microsoft.com/office/drawing/2010/main" val="0"/>
+              </a:ext>
+            </a:extLst>
+          </a:blip>
+          <a:stretch>
+            <a:fillRect/>
+          </a:stretch>
+        </p:blipFill>
+        <p:spPr>
+          <a:xfrm>
+            <a:off x="1519270" y="5220393"/>
+            <a:ext cx="455662" cy="926512"/>
+          </a:xfrm>
+          <a:prstGeom prst="rect">
+            <a:avLst/>
+          </a:prstGeom>
+        </p:spPr>
+      </p:pic>
+    </p:spTree>
+    <p:extLst>
+      <p:ext uri="{BB962C8B-B14F-4D97-AF65-F5344CB8AC3E}">
+        <p14:creationId xmlns:p14="http://schemas.microsoft.com/office/powerpoint/2010/main" val="131749700"/>
+      </p:ext>
+    </p:extLst>
+  </p:cSld>
+  <p:clrMapOvr>
+    <a:masterClrMapping/>
+  </p:clrMapOvr>
+</p:sld>
+</file>
+
 <file path=ppt/slides/slide2.xml><?xml version="1.0" encoding="utf-8"?>
 <p:sld xmlns:a="http://schemas.openxmlformats.org/drawingml/2006/main" xmlns:r="http://schemas.openxmlformats.org/officeDocument/2006/relationships" xmlns:p="http://schemas.openxmlformats.org/presentationml/2006/main">
   <p:cSld>
@@ -4938,62 +5342,930 @@
           <a:bodyPr/>
           <a:lstStyle/>
           <a:p>
+            <a:r>
+              <a:rPr lang="ja-JP" altLang="en-US" dirty="0"/>
+              <a:t>画面</a:t>
+            </a:r>
+            <a:r>
+              <a:rPr kumimoji="1" lang="ja-JP" altLang="en-US" dirty="0" smtClean="0"/>
+              <a:t>イメージ　端末</a:t>
+            </a:r>
             <a:endParaRPr kumimoji="1" lang="ja-JP" altLang="en-US" dirty="0"/>
           </a:p>
         </p:txBody>
       </p:sp>
-      <p:sp>
-        <p:nvSpPr>
-          <p:cNvPr id="3" name="コンテンツ プレースホルダー 2"/>
-          <p:cNvSpPr>
-            <a:spLocks noGrp="1"/>
-          </p:cNvSpPr>
-          <p:nvPr>
-            <p:ph idx="1"/>
-          </p:nvPr>
-        </p:nvSpPr>
-        <p:spPr/>
-        <p:txBody>
-          <a:bodyPr/>
-          <a:lstStyle/>
-          <a:p>
-            <a:pPr marL="0" indent="0">
-              <a:buNone/>
-            </a:pPr>
+      <p:pic>
+        <p:nvPicPr>
+          <p:cNvPr id="4" name="図 3"/>
+          <p:cNvPicPr>
+            <a:picLocks noChangeAspect="1"/>
+          </p:cNvPicPr>
+          <p:nvPr/>
+        </p:nvPicPr>
+        <p:blipFill>
+          <a:blip r:embed="rId2">
+            <a:extLst>
+              <a:ext uri="{28A0092B-C50C-407E-A947-70E740481C1C}">
+                <a14:useLocalDpi xmlns:a14="http://schemas.microsoft.com/office/drawing/2010/main" val="0"/>
+              </a:ext>
+            </a:extLst>
+          </a:blip>
+          <a:stretch>
+            <a:fillRect/>
+          </a:stretch>
+        </p:blipFill>
+        <p:spPr>
+          <a:xfrm>
+            <a:off x="3797532" y="1800630"/>
+            <a:ext cx="2171581" cy="4415545"/>
+          </a:xfrm>
+          <a:prstGeom prst="rect">
+            <a:avLst/>
+          </a:prstGeom>
+        </p:spPr>
+      </p:pic>
+      <p:sp>
+        <p:nvSpPr>
+          <p:cNvPr id="5" name="正方形/長方形 4"/>
+          <p:cNvSpPr/>
+          <p:nvPr/>
+        </p:nvSpPr>
+        <p:spPr>
+          <a:xfrm>
+            <a:off x="3929723" y="2330332"/>
+            <a:ext cx="1928553" cy="3358342"/>
+          </a:xfrm>
+          <a:prstGeom prst="rect">
+            <a:avLst/>
+          </a:prstGeom>
+          <a:solidFill>
+            <a:schemeClr val="bg1"/>
+          </a:solidFill>
+          <a:ln>
+            <a:solidFill>
+              <a:schemeClr val="tx1"/>
+            </a:solidFill>
+          </a:ln>
+        </p:spPr>
+        <p:style>
+          <a:lnRef idx="2">
+            <a:schemeClr val="accent1">
+              <a:shade val="50000"/>
+            </a:schemeClr>
+          </a:lnRef>
+          <a:fillRef idx="1">
+            <a:schemeClr val="accent1"/>
+          </a:fillRef>
+          <a:effectRef idx="0">
+            <a:schemeClr val="accent1"/>
+          </a:effectRef>
+          <a:fontRef idx="minor">
+            <a:schemeClr val="lt1"/>
+          </a:fontRef>
+        </p:style>
+        <p:txBody>
+          <a:bodyPr rtlCol="0" anchor="ctr"/>
+          <a:lstStyle/>
+          <a:p>
+            <a:pPr algn="ctr"/>
+            <a:endParaRPr kumimoji="1" lang="ja-JP" altLang="en-US" dirty="0"/>
+          </a:p>
+        </p:txBody>
+      </p:sp>
+      <p:sp>
+        <p:nvSpPr>
+          <p:cNvPr id="6" name="角丸四角形 5"/>
+          <p:cNvSpPr/>
+          <p:nvPr/>
+        </p:nvSpPr>
+        <p:spPr>
+          <a:xfrm>
+            <a:off x="3989706" y="2895597"/>
+            <a:ext cx="1810384" cy="540328"/>
+          </a:xfrm>
+          <a:prstGeom prst="roundRect">
+            <a:avLst/>
+          </a:prstGeom>
+        </p:spPr>
+        <p:style>
+          <a:lnRef idx="2">
+            <a:schemeClr val="accent1">
+              <a:shade val="50000"/>
+            </a:schemeClr>
+          </a:lnRef>
+          <a:fillRef idx="1">
+            <a:schemeClr val="accent1"/>
+          </a:fillRef>
+          <a:effectRef idx="0">
+            <a:schemeClr val="accent1"/>
+          </a:effectRef>
+          <a:fontRef idx="minor">
+            <a:schemeClr val="lt1"/>
+          </a:fontRef>
+        </p:style>
+        <p:txBody>
+          <a:bodyPr rtlCol="0" anchor="ctr"/>
+          <a:lstStyle/>
+          <a:p>
+            <a:pPr algn="ctr"/>
             <a:r>
               <a:rPr kumimoji="1" lang="ja-JP" altLang="en-US" dirty="0" smtClean="0"/>
-              <a:t>ユーザ</a:t>
-            </a:r>
-            <a:r>
-              <a:rPr kumimoji="1" lang="en-US" altLang="ja-JP" dirty="0" smtClean="0"/>
-              <a:t>ID</a:t>
-            </a:r>
+              <a:t>①</a:t>
+            </a:r>
+            <a:endParaRPr kumimoji="1" lang="ja-JP" altLang="en-US" dirty="0"/>
+          </a:p>
+        </p:txBody>
+      </p:sp>
+      <p:sp>
+        <p:nvSpPr>
+          <p:cNvPr id="7" name="角丸四角形 6"/>
+          <p:cNvSpPr/>
+          <p:nvPr/>
+        </p:nvSpPr>
+        <p:spPr>
+          <a:xfrm>
+            <a:off x="3989706" y="3605233"/>
+            <a:ext cx="1810384" cy="540328"/>
+          </a:xfrm>
+          <a:prstGeom prst="roundRect">
+            <a:avLst/>
+          </a:prstGeom>
+          <a:solidFill>
+            <a:srgbClr val="FF0000"/>
+          </a:solidFill>
+          <a:ln>
+            <a:solidFill>
+              <a:srgbClr val="C00000"/>
+            </a:solidFill>
+          </a:ln>
+        </p:spPr>
+        <p:style>
+          <a:lnRef idx="2">
+            <a:schemeClr val="accent1">
+              <a:shade val="50000"/>
+            </a:schemeClr>
+          </a:lnRef>
+          <a:fillRef idx="1">
+            <a:schemeClr val="accent1"/>
+          </a:fillRef>
+          <a:effectRef idx="0">
+            <a:schemeClr val="accent1"/>
+          </a:effectRef>
+          <a:fontRef idx="minor">
+            <a:schemeClr val="lt1"/>
+          </a:fontRef>
+        </p:style>
+        <p:txBody>
+          <a:bodyPr rtlCol="0" anchor="ctr"/>
+          <a:lstStyle/>
+          <a:p>
+            <a:pPr algn="ctr"/>
+            <a:r>
+              <a:rPr lang="ja-JP" altLang="en-US" dirty="0"/>
+              <a:t>②</a:t>
+            </a:r>
+            <a:endParaRPr kumimoji="1" lang="ja-JP" altLang="en-US" dirty="0"/>
+          </a:p>
+        </p:txBody>
+      </p:sp>
+      <p:sp>
+        <p:nvSpPr>
+          <p:cNvPr id="8" name="角丸四角形 7"/>
+          <p:cNvSpPr/>
+          <p:nvPr/>
+        </p:nvSpPr>
+        <p:spPr>
+          <a:xfrm>
+            <a:off x="3989706" y="4314869"/>
+            <a:ext cx="1810384" cy="540328"/>
+          </a:xfrm>
+          <a:prstGeom prst="roundRect">
+            <a:avLst/>
+          </a:prstGeom>
+          <a:solidFill>
+            <a:srgbClr val="00B050"/>
+          </a:solidFill>
+          <a:ln>
+            <a:solidFill>
+              <a:schemeClr val="accent6">
+                <a:lumMod val="50000"/>
+              </a:schemeClr>
+            </a:solidFill>
+          </a:ln>
+        </p:spPr>
+        <p:style>
+          <a:lnRef idx="2">
+            <a:schemeClr val="accent1">
+              <a:shade val="50000"/>
+            </a:schemeClr>
+          </a:lnRef>
+          <a:fillRef idx="1">
+            <a:schemeClr val="accent1"/>
+          </a:fillRef>
+          <a:effectRef idx="0">
+            <a:schemeClr val="accent1"/>
+          </a:effectRef>
+          <a:fontRef idx="minor">
+            <a:schemeClr val="lt1"/>
+          </a:fontRef>
+        </p:style>
+        <p:txBody>
+          <a:bodyPr rtlCol="0" anchor="ctr"/>
+          <a:lstStyle/>
+          <a:p>
+            <a:pPr algn="ctr"/>
+            <a:r>
+              <a:rPr lang="ja-JP" altLang="en-US" dirty="0"/>
+              <a:t>③</a:t>
+            </a:r>
+            <a:endParaRPr kumimoji="1" lang="ja-JP" altLang="en-US" dirty="0"/>
+          </a:p>
+        </p:txBody>
+      </p:sp>
+      <p:sp>
+        <p:nvSpPr>
+          <p:cNvPr id="9" name="角丸四角形 8"/>
+          <p:cNvSpPr/>
+          <p:nvPr/>
+        </p:nvSpPr>
+        <p:spPr>
+          <a:xfrm>
+            <a:off x="3989706" y="5024505"/>
+            <a:ext cx="1810384" cy="540328"/>
+          </a:xfrm>
+          <a:prstGeom prst="roundRect">
+            <a:avLst/>
+          </a:prstGeom>
+          <a:solidFill>
+            <a:schemeClr val="accent4">
+              <a:lumMod val="60000"/>
+              <a:lumOff val="40000"/>
+            </a:schemeClr>
+          </a:solidFill>
+          <a:ln>
+            <a:solidFill>
+              <a:schemeClr val="accent4">
+                <a:lumMod val="75000"/>
+              </a:schemeClr>
+            </a:solidFill>
+          </a:ln>
+        </p:spPr>
+        <p:style>
+          <a:lnRef idx="2">
+            <a:schemeClr val="accent1">
+              <a:shade val="50000"/>
+            </a:schemeClr>
+          </a:lnRef>
+          <a:fillRef idx="1">
+            <a:schemeClr val="accent1"/>
+          </a:fillRef>
+          <a:effectRef idx="0">
+            <a:schemeClr val="accent1"/>
+          </a:effectRef>
+          <a:fontRef idx="minor">
+            <a:schemeClr val="lt1"/>
+          </a:fontRef>
+        </p:style>
+        <p:txBody>
+          <a:bodyPr rtlCol="0" anchor="ctr"/>
+          <a:lstStyle/>
+          <a:p>
+            <a:pPr algn="ctr"/>
+            <a:r>
+              <a:rPr lang="ja-JP" altLang="en-US" dirty="0"/>
+              <a:t>④</a:t>
+            </a:r>
+            <a:endParaRPr kumimoji="1" lang="ja-JP" altLang="en-US" dirty="0"/>
+          </a:p>
+        </p:txBody>
+      </p:sp>
+      <p:sp>
+        <p:nvSpPr>
+          <p:cNvPr id="10" name="テキスト ボックス 9"/>
+          <p:cNvSpPr txBox="1"/>
+          <p:nvPr/>
+        </p:nvSpPr>
+        <p:spPr>
+          <a:xfrm>
+            <a:off x="4396201" y="2441611"/>
+            <a:ext cx="1085554" cy="369332"/>
+          </a:xfrm>
+          <a:prstGeom prst="rect">
+            <a:avLst/>
+          </a:prstGeom>
+          <a:noFill/>
+        </p:spPr>
+        <p:txBody>
+          <a:bodyPr wrap="none" rtlCol="0">
+            <a:spAutoFit/>
+          </a:bodyPr>
+          <a:lstStyle/>
+          <a:p>
             <a:r>
               <a:rPr kumimoji="1" lang="ja-JP" altLang="en-US" dirty="0" smtClean="0"/>
-              <a:t>いる？</a:t>
-            </a:r>
-            <a:endParaRPr kumimoji="1" lang="en-US" altLang="ja-JP" dirty="0" smtClean="0"/>
-          </a:p>
-          <a:p>
-            <a:pPr marL="0" indent="0">
-              <a:buNone/>
-            </a:pPr>
+              <a:t>答えは？</a:t>
+            </a:r>
+            <a:endParaRPr kumimoji="1" lang="ja-JP" altLang="en-US" dirty="0"/>
+          </a:p>
+        </p:txBody>
+      </p:sp>
+      <p:pic>
+        <p:nvPicPr>
+          <p:cNvPr id="20" name="図 19"/>
+          <p:cNvPicPr>
+            <a:picLocks noChangeAspect="1"/>
+          </p:cNvPicPr>
+          <p:nvPr/>
+        </p:nvPicPr>
+        <p:blipFill>
+          <a:blip r:embed="rId2">
+            <a:extLst>
+              <a:ext uri="{28A0092B-C50C-407E-A947-70E740481C1C}">
+                <a14:useLocalDpi xmlns:a14="http://schemas.microsoft.com/office/drawing/2010/main" val="0"/>
+              </a:ext>
+            </a:extLst>
+          </a:blip>
+          <a:stretch>
+            <a:fillRect/>
+          </a:stretch>
+        </p:blipFill>
+        <p:spPr>
+          <a:xfrm>
+            <a:off x="6626628" y="1800631"/>
+            <a:ext cx="2171581" cy="4415545"/>
+          </a:xfrm>
+          <a:prstGeom prst="rect">
+            <a:avLst/>
+          </a:prstGeom>
+        </p:spPr>
+      </p:pic>
+      <p:sp>
+        <p:nvSpPr>
+          <p:cNvPr id="21" name="正方形/長方形 20"/>
+          <p:cNvSpPr/>
+          <p:nvPr/>
+        </p:nvSpPr>
+        <p:spPr>
+          <a:xfrm>
+            <a:off x="6758819" y="2330333"/>
+            <a:ext cx="1928553" cy="3358342"/>
+          </a:xfrm>
+          <a:prstGeom prst="rect">
+            <a:avLst/>
+          </a:prstGeom>
+          <a:solidFill>
+            <a:schemeClr val="bg1"/>
+          </a:solidFill>
+          <a:ln>
+            <a:solidFill>
+              <a:schemeClr val="tx1"/>
+            </a:solidFill>
+          </a:ln>
+        </p:spPr>
+        <p:style>
+          <a:lnRef idx="2">
+            <a:schemeClr val="accent1">
+              <a:shade val="50000"/>
+            </a:schemeClr>
+          </a:lnRef>
+          <a:fillRef idx="1">
+            <a:schemeClr val="accent1"/>
+          </a:fillRef>
+          <a:effectRef idx="0">
+            <a:schemeClr val="accent1"/>
+          </a:effectRef>
+          <a:fontRef idx="minor">
+            <a:schemeClr val="lt1"/>
+          </a:fontRef>
+        </p:style>
+        <p:txBody>
+          <a:bodyPr rtlCol="0" anchor="ctr"/>
+          <a:lstStyle/>
+          <a:p>
+            <a:pPr algn="ctr"/>
+            <a:endParaRPr kumimoji="1" lang="ja-JP" altLang="en-US" dirty="0"/>
+          </a:p>
+        </p:txBody>
+      </p:sp>
+      <p:sp>
+        <p:nvSpPr>
+          <p:cNvPr id="26" name="テキスト ボックス 25"/>
+          <p:cNvSpPr txBox="1"/>
+          <p:nvPr/>
+        </p:nvSpPr>
+        <p:spPr>
+          <a:xfrm>
+            <a:off x="7043004" y="3677863"/>
+            <a:ext cx="1338828" cy="369332"/>
+          </a:xfrm>
+          <a:prstGeom prst="rect">
+            <a:avLst/>
+          </a:prstGeom>
+          <a:noFill/>
+        </p:spPr>
+        <p:txBody>
+          <a:bodyPr wrap="none" rtlCol="0">
+            <a:spAutoFit/>
+          </a:bodyPr>
+          <a:lstStyle/>
+          <a:p>
             <a:r>
               <a:rPr lang="ja-JP" altLang="en-US" dirty="0" smtClean="0"/>
-              <a:t>グループ</a:t>
+              <a:t>回答完了！</a:t>
+            </a:r>
+            <a:endParaRPr kumimoji="1" lang="ja-JP" altLang="en-US" dirty="0"/>
+          </a:p>
+        </p:txBody>
+      </p:sp>
+      <p:pic>
+        <p:nvPicPr>
+          <p:cNvPr id="27" name="図 26"/>
+          <p:cNvPicPr>
+            <a:picLocks noChangeAspect="1"/>
+          </p:cNvPicPr>
+          <p:nvPr/>
+        </p:nvPicPr>
+        <p:blipFill>
+          <a:blip r:embed="rId2">
+            <a:extLst>
+              <a:ext uri="{28A0092B-C50C-407E-A947-70E740481C1C}">
+                <a14:useLocalDpi xmlns:a14="http://schemas.microsoft.com/office/drawing/2010/main" val="0"/>
+              </a:ext>
+            </a:extLst>
+          </a:blip>
+          <a:stretch>
+            <a:fillRect/>
+          </a:stretch>
+        </p:blipFill>
+        <p:spPr>
+          <a:xfrm>
+            <a:off x="9389223" y="1800631"/>
+            <a:ext cx="2171581" cy="4415545"/>
+          </a:xfrm>
+          <a:prstGeom prst="rect">
+            <a:avLst/>
+          </a:prstGeom>
+        </p:spPr>
+      </p:pic>
+      <p:sp>
+        <p:nvSpPr>
+          <p:cNvPr id="28" name="正方形/長方形 27"/>
+          <p:cNvSpPr/>
+          <p:nvPr/>
+        </p:nvSpPr>
+        <p:spPr>
+          <a:xfrm>
+            <a:off x="9521414" y="2330333"/>
+            <a:ext cx="1928553" cy="3358342"/>
+          </a:xfrm>
+          <a:prstGeom prst="rect">
+            <a:avLst/>
+          </a:prstGeom>
+          <a:solidFill>
+            <a:schemeClr val="bg1"/>
+          </a:solidFill>
+          <a:ln>
+            <a:solidFill>
+              <a:schemeClr val="tx1"/>
+            </a:solidFill>
+          </a:ln>
+        </p:spPr>
+        <p:style>
+          <a:lnRef idx="2">
+            <a:schemeClr val="accent1">
+              <a:shade val="50000"/>
+            </a:schemeClr>
+          </a:lnRef>
+          <a:fillRef idx="1">
+            <a:schemeClr val="accent1"/>
+          </a:fillRef>
+          <a:effectRef idx="0">
+            <a:schemeClr val="accent1"/>
+          </a:effectRef>
+          <a:fontRef idx="minor">
+            <a:schemeClr val="lt1"/>
+          </a:fontRef>
+        </p:style>
+        <p:txBody>
+          <a:bodyPr rtlCol="0" anchor="ctr"/>
+          <a:lstStyle/>
+          <a:p>
+            <a:pPr algn="ctr"/>
+            <a:endParaRPr kumimoji="1" lang="ja-JP" altLang="en-US" dirty="0"/>
+          </a:p>
+        </p:txBody>
+      </p:sp>
+      <p:sp>
+        <p:nvSpPr>
+          <p:cNvPr id="29" name="テキスト ボックス 28"/>
+          <p:cNvSpPr txBox="1"/>
+          <p:nvPr/>
+        </p:nvSpPr>
+        <p:spPr>
+          <a:xfrm>
+            <a:off x="9622717" y="3677863"/>
+            <a:ext cx="1752403" cy="584775"/>
+          </a:xfrm>
+          <a:prstGeom prst="rect">
+            <a:avLst/>
+          </a:prstGeom>
+          <a:noFill/>
+        </p:spPr>
+        <p:txBody>
+          <a:bodyPr wrap="none" rtlCol="0">
+            <a:spAutoFit/>
+          </a:bodyPr>
+          <a:lstStyle/>
+          <a:p>
+            <a:r>
+              <a:rPr lang="ja-JP" altLang="en-US" dirty="0" smtClean="0"/>
+              <a:t>回答送信失敗</a:t>
             </a:r>
             <a:r>
               <a:rPr lang="en-US" altLang="ja-JP" dirty="0" smtClean="0"/>
-              <a:t>ID</a:t>
-            </a:r>
+              <a:t>…</a:t>
+            </a:r>
+          </a:p>
+          <a:p>
+            <a:pPr algn="ctr"/>
+            <a:r>
+              <a:rPr kumimoji="1" lang="ja-JP" altLang="en-US" sz="1400" dirty="0" smtClean="0"/>
+              <a:t>もう一度回答ください</a:t>
+            </a:r>
+            <a:endParaRPr kumimoji="1" lang="ja-JP" altLang="en-US" sz="1400" dirty="0"/>
+          </a:p>
+        </p:txBody>
+      </p:sp>
+      <p:pic>
+        <p:nvPicPr>
+          <p:cNvPr id="30" name="図 29"/>
+          <p:cNvPicPr>
+            <a:picLocks noChangeAspect="1"/>
+          </p:cNvPicPr>
+          <p:nvPr/>
+        </p:nvPicPr>
+        <p:blipFill>
+          <a:blip r:embed="rId2">
+            <a:extLst>
+              <a:ext uri="{28A0092B-C50C-407E-A947-70E740481C1C}">
+                <a14:useLocalDpi xmlns:a14="http://schemas.microsoft.com/office/drawing/2010/main" val="0"/>
+              </a:ext>
+            </a:extLst>
+          </a:blip>
+          <a:stretch>
+            <a:fillRect/>
+          </a:stretch>
+        </p:blipFill>
+        <p:spPr>
+          <a:xfrm>
+            <a:off x="905591" y="1800630"/>
+            <a:ext cx="2171581" cy="4415545"/>
+          </a:xfrm>
+          <a:prstGeom prst="rect">
+            <a:avLst/>
+          </a:prstGeom>
+        </p:spPr>
+      </p:pic>
+      <p:sp>
+        <p:nvSpPr>
+          <p:cNvPr id="31" name="正方形/長方形 30"/>
+          <p:cNvSpPr/>
+          <p:nvPr/>
+        </p:nvSpPr>
+        <p:spPr>
+          <a:xfrm>
+            <a:off x="1037782" y="2330332"/>
+            <a:ext cx="1928553" cy="3358342"/>
+          </a:xfrm>
+          <a:prstGeom prst="rect">
+            <a:avLst/>
+          </a:prstGeom>
+          <a:solidFill>
+            <a:schemeClr val="bg1"/>
+          </a:solidFill>
+          <a:ln>
+            <a:solidFill>
+              <a:schemeClr val="tx1"/>
+            </a:solidFill>
+          </a:ln>
+        </p:spPr>
+        <p:style>
+          <a:lnRef idx="2">
+            <a:schemeClr val="accent1">
+              <a:shade val="50000"/>
+            </a:schemeClr>
+          </a:lnRef>
+          <a:fillRef idx="1">
+            <a:schemeClr val="accent1"/>
+          </a:fillRef>
+          <a:effectRef idx="0">
+            <a:schemeClr val="accent1"/>
+          </a:effectRef>
+          <a:fontRef idx="minor">
+            <a:schemeClr val="lt1"/>
+          </a:fontRef>
+        </p:style>
+        <p:txBody>
+          <a:bodyPr rtlCol="0" anchor="ctr"/>
+          <a:lstStyle/>
+          <a:p>
+            <a:pPr algn="ctr"/>
             <a:endParaRPr kumimoji="1" lang="ja-JP" altLang="en-US" dirty="0"/>
+          </a:p>
+        </p:txBody>
+      </p:sp>
+      <p:sp>
+        <p:nvSpPr>
+          <p:cNvPr id="32" name="テキスト ボックス 31"/>
+          <p:cNvSpPr txBox="1"/>
+          <p:nvPr/>
+        </p:nvSpPr>
+        <p:spPr>
+          <a:xfrm>
+            <a:off x="994005" y="2693355"/>
+            <a:ext cx="2048959" cy="369332"/>
+          </a:xfrm>
+          <a:prstGeom prst="rect">
+            <a:avLst/>
+          </a:prstGeom>
+          <a:noFill/>
+        </p:spPr>
+        <p:txBody>
+          <a:bodyPr wrap="none" rtlCol="0">
+            <a:spAutoFit/>
+          </a:bodyPr>
+          <a:lstStyle/>
+          <a:p>
+            <a:r>
+              <a:rPr kumimoji="1" lang="ja-JP" altLang="en-US" dirty="0" smtClean="0"/>
+              <a:t>名前を入力ください</a:t>
+            </a:r>
+            <a:endParaRPr kumimoji="1" lang="ja-JP" altLang="en-US" dirty="0"/>
+          </a:p>
+        </p:txBody>
+      </p:sp>
+      <p:sp>
+        <p:nvSpPr>
+          <p:cNvPr id="33" name="正方形/長方形 32"/>
+          <p:cNvSpPr/>
+          <p:nvPr/>
+        </p:nvSpPr>
+        <p:spPr>
+          <a:xfrm>
+            <a:off x="1654233" y="3527882"/>
+            <a:ext cx="1047403" cy="266007"/>
+          </a:xfrm>
+          <a:prstGeom prst="rect">
+            <a:avLst/>
+          </a:prstGeom>
+          <a:solidFill>
+            <a:schemeClr val="bg1"/>
+          </a:solidFill>
+          <a:ln>
+            <a:solidFill>
+              <a:schemeClr val="tx1"/>
+            </a:solidFill>
+          </a:ln>
+        </p:spPr>
+        <p:style>
+          <a:lnRef idx="2">
+            <a:schemeClr val="accent1">
+              <a:shade val="50000"/>
+            </a:schemeClr>
+          </a:lnRef>
+          <a:fillRef idx="1">
+            <a:schemeClr val="accent1"/>
+          </a:fillRef>
+          <a:effectRef idx="0">
+            <a:schemeClr val="accent1"/>
+          </a:effectRef>
+          <a:fontRef idx="minor">
+            <a:schemeClr val="lt1"/>
+          </a:fontRef>
+        </p:style>
+        <p:txBody>
+          <a:bodyPr rtlCol="0" anchor="ctr"/>
+          <a:lstStyle/>
+          <a:p>
+            <a:pPr algn="ctr"/>
+            <a:endParaRPr kumimoji="1" lang="ja-JP" altLang="en-US"/>
+          </a:p>
+        </p:txBody>
+      </p:sp>
+      <p:sp>
+        <p:nvSpPr>
+          <p:cNvPr id="34" name="テキスト ボックス 33"/>
+          <p:cNvSpPr txBox="1"/>
+          <p:nvPr/>
+        </p:nvSpPr>
+        <p:spPr>
+          <a:xfrm>
+            <a:off x="1053308" y="3435925"/>
+            <a:ext cx="646331" cy="369332"/>
+          </a:xfrm>
+          <a:prstGeom prst="rect">
+            <a:avLst/>
+          </a:prstGeom>
+          <a:noFill/>
+        </p:spPr>
+        <p:txBody>
+          <a:bodyPr wrap="none" rtlCol="0">
+            <a:spAutoFit/>
+          </a:bodyPr>
+          <a:lstStyle/>
+          <a:p>
+            <a:r>
+              <a:rPr kumimoji="1" lang="ja-JP" altLang="en-US" dirty="0" smtClean="0"/>
+              <a:t>名前</a:t>
+            </a:r>
+            <a:endParaRPr kumimoji="1" lang="ja-JP" altLang="en-US" dirty="0"/>
+          </a:p>
+        </p:txBody>
+      </p:sp>
+      <p:sp>
+        <p:nvSpPr>
+          <p:cNvPr id="35" name="角丸四角形 34"/>
+          <p:cNvSpPr/>
+          <p:nvPr/>
+        </p:nvSpPr>
+        <p:spPr>
+          <a:xfrm>
+            <a:off x="1451147" y="4290045"/>
+            <a:ext cx="1143314" cy="250682"/>
+          </a:xfrm>
+          <a:prstGeom prst="roundRect">
+            <a:avLst/>
+          </a:prstGeom>
+          <a:solidFill>
+            <a:schemeClr val="bg1"/>
+          </a:solidFill>
+          <a:ln>
+            <a:solidFill>
+              <a:schemeClr val="tx1"/>
+            </a:solidFill>
+          </a:ln>
+        </p:spPr>
+        <p:style>
+          <a:lnRef idx="2">
+            <a:schemeClr val="accent1">
+              <a:shade val="50000"/>
+            </a:schemeClr>
+          </a:lnRef>
+          <a:fillRef idx="1">
+            <a:schemeClr val="accent1"/>
+          </a:fillRef>
+          <a:effectRef idx="0">
+            <a:schemeClr val="accent1"/>
+          </a:effectRef>
+          <a:fontRef idx="minor">
+            <a:schemeClr val="lt1"/>
+          </a:fontRef>
+        </p:style>
+        <p:txBody>
+          <a:bodyPr rtlCol="0" anchor="ctr"/>
+          <a:lstStyle/>
+          <a:p>
+            <a:pPr algn="ctr"/>
+            <a:r>
+              <a:rPr kumimoji="1" lang="ja-JP" altLang="en-US" sz="1100" dirty="0" smtClean="0">
+                <a:solidFill>
+                  <a:schemeClr val="tx1"/>
+                </a:solidFill>
+              </a:rPr>
+              <a:t>ゲームスタート</a:t>
+            </a:r>
+            <a:endParaRPr kumimoji="1" lang="ja-JP" altLang="en-US" sz="1100" dirty="0">
+              <a:solidFill>
+                <a:schemeClr val="tx1"/>
+              </a:solidFill>
+            </a:endParaRPr>
+          </a:p>
+        </p:txBody>
+      </p:sp>
+      <p:sp>
+        <p:nvSpPr>
+          <p:cNvPr id="36" name="角丸四角形 35"/>
+          <p:cNvSpPr/>
+          <p:nvPr/>
+        </p:nvSpPr>
+        <p:spPr>
+          <a:xfrm>
+            <a:off x="9699576" y="4410674"/>
+            <a:ext cx="1550873" cy="231429"/>
+          </a:xfrm>
+          <a:prstGeom prst="roundRect">
+            <a:avLst/>
+          </a:prstGeom>
+          <a:solidFill>
+            <a:schemeClr val="bg1"/>
+          </a:solidFill>
+          <a:ln>
+            <a:solidFill>
+              <a:schemeClr val="tx1"/>
+            </a:solidFill>
+          </a:ln>
+        </p:spPr>
+        <p:style>
+          <a:lnRef idx="2">
+            <a:schemeClr val="accent1">
+              <a:shade val="50000"/>
+            </a:schemeClr>
+          </a:lnRef>
+          <a:fillRef idx="1">
+            <a:schemeClr val="accent1"/>
+          </a:fillRef>
+          <a:effectRef idx="0">
+            <a:schemeClr val="accent1"/>
+          </a:effectRef>
+          <a:fontRef idx="minor">
+            <a:schemeClr val="lt1"/>
+          </a:fontRef>
+        </p:style>
+        <p:txBody>
+          <a:bodyPr rtlCol="0" anchor="ctr"/>
+          <a:lstStyle/>
+          <a:p>
+            <a:pPr algn="ctr"/>
+            <a:r>
+              <a:rPr kumimoji="1" lang="ja-JP" altLang="en-US" sz="1100" dirty="0" smtClean="0">
+                <a:solidFill>
+                  <a:schemeClr val="tx1"/>
+                </a:solidFill>
+              </a:rPr>
+              <a:t>ゲームスタートへ戻る</a:t>
+            </a:r>
+            <a:endParaRPr kumimoji="1" lang="ja-JP" altLang="en-US" sz="1100" dirty="0">
+              <a:solidFill>
+                <a:schemeClr val="tx1"/>
+              </a:solidFill>
+            </a:endParaRPr>
+          </a:p>
+        </p:txBody>
+      </p:sp>
+      <p:sp>
+        <p:nvSpPr>
+          <p:cNvPr id="37" name="角丸四角形 36"/>
+          <p:cNvSpPr/>
+          <p:nvPr/>
+        </p:nvSpPr>
+        <p:spPr>
+          <a:xfrm>
+            <a:off x="6903731" y="4353604"/>
+            <a:ext cx="1550873" cy="231429"/>
+          </a:xfrm>
+          <a:prstGeom prst="roundRect">
+            <a:avLst/>
+          </a:prstGeom>
+          <a:solidFill>
+            <a:schemeClr val="bg1"/>
+          </a:solidFill>
+          <a:ln>
+            <a:solidFill>
+              <a:schemeClr val="tx1"/>
+            </a:solidFill>
+          </a:ln>
+        </p:spPr>
+        <p:style>
+          <a:lnRef idx="2">
+            <a:schemeClr val="accent1">
+              <a:shade val="50000"/>
+            </a:schemeClr>
+          </a:lnRef>
+          <a:fillRef idx="1">
+            <a:schemeClr val="accent1"/>
+          </a:fillRef>
+          <a:effectRef idx="0">
+            <a:schemeClr val="accent1"/>
+          </a:effectRef>
+          <a:fontRef idx="minor">
+            <a:schemeClr val="lt1"/>
+          </a:fontRef>
+        </p:style>
+        <p:txBody>
+          <a:bodyPr rtlCol="0" anchor="ctr"/>
+          <a:lstStyle/>
+          <a:p>
+            <a:pPr algn="ctr"/>
+            <a:r>
+              <a:rPr kumimoji="1" lang="ja-JP" altLang="en-US" sz="1100" dirty="0" smtClean="0">
+                <a:solidFill>
+                  <a:schemeClr val="tx1"/>
+                </a:solidFill>
+              </a:rPr>
+              <a:t>回答画面へ戻る</a:t>
+            </a:r>
+            <a:endParaRPr kumimoji="1" lang="ja-JP" altLang="en-US" sz="1100" dirty="0">
+              <a:solidFill>
+                <a:schemeClr val="tx1"/>
+              </a:solidFill>
+            </a:endParaRPr>
           </a:p>
         </p:txBody>
       </p:sp>
     </p:spTree>
     <p:extLst>
       <p:ext uri="{BB962C8B-B14F-4D97-AF65-F5344CB8AC3E}">
-        <p14:creationId xmlns:p14="http://schemas.microsoft.com/office/powerpoint/2010/main" val="3656784880"/>
+        <p14:creationId xmlns:p14="http://schemas.microsoft.com/office/powerpoint/2010/main" val="2883423186"/>
       </p:ext>
     </p:extLst>
   </p:cSld>
